--- a/download/安全评估的核心思想和发展脉络.pptx
+++ b/download/安全评估的核心思想和发展脉络.pptx
@@ -20,12 +20,13 @@
     <p:sldId id="272" r:id="rId14"/>
     <p:sldId id="271" r:id="rId15"/>
     <p:sldId id="270" r:id="rId16"/>
-    <p:sldId id="261" r:id="rId17"/>
-    <p:sldId id="274" r:id="rId18"/>
-    <p:sldId id="266" r:id="rId19"/>
-    <p:sldId id="267" r:id="rId20"/>
-    <p:sldId id="275" r:id="rId21"/>
-    <p:sldId id="260" r:id="rId22"/>
+    <p:sldId id="278" r:id="rId17"/>
+    <p:sldId id="261" r:id="rId18"/>
+    <p:sldId id="274" r:id="rId19"/>
+    <p:sldId id="266" r:id="rId20"/>
+    <p:sldId id="267" r:id="rId21"/>
+    <p:sldId id="275" r:id="rId22"/>
+    <p:sldId id="260" r:id="rId23"/>
   </p:sldIdLst>
   <p:sldSz cx="12192000" cy="6858000"/>
   <p:notesSz cx="6858000" cy="9144000"/>
@@ -12195,6 +12196,139 @@
           <a:lstStyle/>
           <a:p>
             <a:r>
+              <a:rPr lang="en-US" altLang="zh-CN" dirty="0" smtClean="0"/>
+              <a:t>PP</a:t>
+            </a:r>
+            <a:r>
+              <a:rPr lang="zh-CN" altLang="en-US" dirty="0" smtClean="0"/>
+              <a:t>和</a:t>
+            </a:r>
+            <a:r>
+              <a:rPr lang="en-US" altLang="zh-CN" dirty="0" smtClean="0"/>
+              <a:t>ST</a:t>
+            </a:r>
+            <a:r>
+              <a:rPr lang="zh-CN" altLang="en-US" dirty="0" smtClean="0"/>
+              <a:t>实例</a:t>
+            </a:r>
+            <a:endParaRPr lang="zh-CN" altLang="en-US" dirty="0"/>
+          </a:p>
+        </p:txBody>
+      </p:sp>
+      <p:sp>
+        <p:nvSpPr>
+          <p:cNvPr id="3" name="内容占位符 2"/>
+          <p:cNvSpPr>
+            <a:spLocks noGrp="1"/>
+          </p:cNvSpPr>
+          <p:nvPr>
+            <p:ph idx="1"/>
+          </p:nvPr>
+        </p:nvSpPr>
+        <p:spPr/>
+        <p:txBody>
+          <a:bodyPr/>
+          <a:lstStyle/>
+          <a:p>
+            <a:r>
+              <a:rPr lang="en-US" altLang="zh-CN" dirty="0"/>
+              <a:t>Database Management </a:t>
+            </a:r>
+            <a:r>
+              <a:rPr lang="en-US" altLang="zh-CN" dirty="0" smtClean="0"/>
+              <a:t>System Protection Profile (DBMS </a:t>
+            </a:r>
+            <a:r>
+              <a:rPr lang="en-US" altLang="zh-CN" dirty="0"/>
+              <a:t>PP</a:t>
+            </a:r>
+            <a:r>
+              <a:rPr lang="en-US" altLang="zh-CN" dirty="0" smtClean="0"/>
+              <a:t>)</a:t>
+            </a:r>
+          </a:p>
+          <a:p>
+            <a:r>
+              <a:rPr lang="en-US" altLang="zh-CN" dirty="0"/>
+              <a:t>Security Target, Version </a:t>
+            </a:r>
+            <a:r>
+              <a:rPr lang="en-US" altLang="zh-CN" dirty="0" smtClean="0"/>
+              <a:t>1.7, for XTS-400</a:t>
+            </a:r>
+            <a:r>
+              <a:rPr lang="en-US" altLang="zh-CN" dirty="0"/>
+              <a:t>, Version </a:t>
+            </a:r>
+            <a:r>
+              <a:rPr lang="en-US" altLang="zh-CN" dirty="0" smtClean="0"/>
+              <a:t>6.0.E</a:t>
+            </a:r>
+          </a:p>
+          <a:p>
+            <a:pPr lvl="1"/>
+            <a:r>
+              <a:rPr lang="en-US" altLang="zh-CN" dirty="0" smtClean="0"/>
+              <a:t>Page.109: </a:t>
+            </a:r>
+            <a:r>
+              <a:rPr lang="zh-CN" altLang="en-US" dirty="0" smtClean="0"/>
+              <a:t>说明其所依赖的</a:t>
+            </a:r>
+            <a:r>
+              <a:rPr lang="en-US" altLang="zh-CN" dirty="0" smtClean="0"/>
+              <a:t>PP</a:t>
+            </a:r>
+            <a:endParaRPr lang="zh-CN" altLang="en-US" dirty="0"/>
+          </a:p>
+        </p:txBody>
+      </p:sp>
+    </p:spTree>
+    <p:extLst>
+      <p:ext uri="{BB962C8B-B14F-4D97-AF65-F5344CB8AC3E}">
+        <p14:creationId xmlns:p14="http://schemas.microsoft.com/office/powerpoint/2010/main" val="2192024165"/>
+      </p:ext>
+    </p:extLst>
+  </p:cSld>
+  <p:clrMapOvr>
+    <a:masterClrMapping/>
+  </p:clrMapOvr>
+</p:sld>
+</file>
+
+<file path=ppt/slides/slide17.xml><?xml version="1.0" encoding="utf-8"?>
+<p:sld xmlns:a="http://schemas.openxmlformats.org/drawingml/2006/main" xmlns:r="http://schemas.openxmlformats.org/officeDocument/2006/relationships" xmlns:p="http://schemas.openxmlformats.org/presentationml/2006/main">
+  <p:cSld>
+    <p:spTree>
+      <p:nvGrpSpPr>
+        <p:cNvPr id="1" name=""/>
+        <p:cNvGrpSpPr/>
+        <p:nvPr/>
+      </p:nvGrpSpPr>
+      <p:grpSpPr>
+        <a:xfrm>
+          <a:off x="0" y="0"/>
+          <a:ext cx="0" cy="0"/>
+          <a:chOff x="0" y="0"/>
+          <a:chExt cx="0" cy="0"/>
+        </a:xfrm>
+      </p:grpSpPr>
+      <p:sp>
+        <p:nvSpPr>
+          <p:cNvPr id="2" name="标题 1"/>
+          <p:cNvSpPr>
+            <a:spLocks noGrp="1"/>
+          </p:cNvSpPr>
+          <p:nvPr>
+            <p:ph type="title"/>
+          </p:nvPr>
+        </p:nvSpPr>
+        <p:spPr/>
+        <p:txBody>
+          <a:bodyPr/>
+          <a:lstStyle/>
+          <a:p>
+            <a:r>
               <a:rPr lang="zh-CN" altLang="en-US" dirty="0" smtClean="0"/>
               <a:t>等保</a:t>
             </a:r>
@@ -12251,7 +12385,7 @@
 </p:sld>
 </file>
 
-<file path=ppt/slides/slide17.xml><?xml version="1.0" encoding="utf-8"?>
+<file path=ppt/slides/slide18.xml><?xml version="1.0" encoding="utf-8"?>
 <p:sld xmlns:a="http://schemas.openxmlformats.org/drawingml/2006/main" xmlns:r="http://schemas.openxmlformats.org/officeDocument/2006/relationships" xmlns:p="http://schemas.openxmlformats.org/presentationml/2006/main">
   <p:cSld>
     <p:spTree>
@@ -12466,7 +12600,7 @@
 </p:sld>
 </file>
 
-<file path=ppt/slides/slide18.xml><?xml version="1.0" encoding="utf-8"?>
+<file path=ppt/slides/slide19.xml><?xml version="1.0" encoding="utf-8"?>
 <p:sld xmlns:a="http://schemas.openxmlformats.org/drawingml/2006/main" xmlns:r="http://schemas.openxmlformats.org/officeDocument/2006/relationships" xmlns:p="http://schemas.openxmlformats.org/presentationml/2006/main">
   <p:cSld>
     <p:spTree>
@@ -12595,7 +12729,140 @@
 </p:sld>
 </file>
 
-<file path=ppt/slides/slide19.xml><?xml version="1.0" encoding="utf-8"?>
+<file path=ppt/slides/slide2.xml><?xml version="1.0" encoding="utf-8"?>
+<p:sld xmlns:a="http://schemas.openxmlformats.org/drawingml/2006/main" xmlns:r="http://schemas.openxmlformats.org/officeDocument/2006/relationships" xmlns:p="http://schemas.openxmlformats.org/presentationml/2006/main">
+  <p:cSld>
+    <p:spTree>
+      <p:nvGrpSpPr>
+        <p:cNvPr id="1" name=""/>
+        <p:cNvGrpSpPr/>
+        <p:nvPr/>
+      </p:nvGrpSpPr>
+      <p:grpSpPr>
+        <a:xfrm>
+          <a:off x="0" y="0"/>
+          <a:ext cx="0" cy="0"/>
+          <a:chOff x="0" y="0"/>
+          <a:chExt cx="0" cy="0"/>
+        </a:xfrm>
+      </p:grpSpPr>
+      <p:sp>
+        <p:nvSpPr>
+          <p:cNvPr id="2" name="标题 1"/>
+          <p:cNvSpPr>
+            <a:spLocks noGrp="1"/>
+          </p:cNvSpPr>
+          <p:nvPr>
+            <p:ph type="title"/>
+          </p:nvPr>
+        </p:nvSpPr>
+        <p:spPr/>
+        <p:txBody>
+          <a:bodyPr/>
+          <a:lstStyle/>
+          <a:p>
+            <a:endParaRPr lang="zh-CN" altLang="en-US" dirty="0"/>
+          </a:p>
+        </p:txBody>
+      </p:sp>
+      <p:sp>
+        <p:nvSpPr>
+          <p:cNvPr id="3" name="内容占位符 2"/>
+          <p:cNvSpPr>
+            <a:spLocks noGrp="1"/>
+          </p:cNvSpPr>
+          <p:nvPr>
+            <p:ph idx="1"/>
+          </p:nvPr>
+        </p:nvSpPr>
+        <p:spPr/>
+        <p:txBody>
+          <a:bodyPr/>
+          <a:lstStyle/>
+          <a:p>
+            <a:r>
+              <a:rPr lang="en-US" altLang="zh-CN" dirty="0" smtClean="0"/>
+              <a:t>Evaluation</a:t>
+            </a:r>
+          </a:p>
+          <a:p>
+            <a:pPr lvl="1"/>
+            <a:r>
+              <a:rPr lang="en-US" altLang="zh-CN" dirty="0">
+                <a:effectLst/>
+              </a:rPr>
+              <a:t>determination of the value, nature, character, or quality of something or someone</a:t>
+            </a:r>
+            <a:r>
+              <a:rPr lang="zh-CN" altLang="en-US" dirty="0" smtClean="0"/>
+              <a:t>（</a:t>
+            </a:r>
+            <a:r>
+              <a:rPr lang="en-US" altLang="zh-CN" dirty="0">
+                <a:hlinkClick r:id="rId2"/>
+              </a:rPr>
+              <a:t>https://www.merriam-webster.com/dictionary/evaluation</a:t>
+            </a:r>
+            <a:r>
+              <a:rPr lang="zh-CN" altLang="en-US" dirty="0" smtClean="0"/>
+              <a:t>）</a:t>
+            </a:r>
+            <a:endParaRPr lang="en-US" altLang="zh-CN" dirty="0" smtClean="0"/>
+          </a:p>
+          <a:p>
+            <a:r>
+              <a:rPr lang="zh-CN" altLang="en-US" dirty="0" smtClean="0"/>
+              <a:t>评估</a:t>
+            </a:r>
+            <a:endParaRPr lang="en-US" altLang="zh-CN" dirty="0" smtClean="0"/>
+          </a:p>
+          <a:p>
+            <a:pPr lvl="1"/>
+            <a:r>
+              <a:rPr lang="zh-CN" altLang="en-US" dirty="0"/>
+              <a:t>议论，</a:t>
+            </a:r>
+            <a:r>
+              <a:rPr lang="zh-CN" altLang="en-US" dirty="0" smtClean="0"/>
+              <a:t>评论，评议。</a:t>
+            </a:r>
+            <a:endParaRPr lang="en-US" altLang="zh-CN" dirty="0" smtClean="0"/>
+          </a:p>
+          <a:p>
+            <a:pPr lvl="1"/>
+            <a:r>
+              <a:rPr lang="zh-CN" altLang="en-US" dirty="0"/>
+              <a:t>揣测，大致地</a:t>
+            </a:r>
+            <a:r>
+              <a:rPr lang="zh-CN" altLang="en-US" dirty="0" smtClean="0"/>
+              <a:t>推算，估计，估价。</a:t>
+            </a:r>
+            <a:endParaRPr lang="zh-CN" altLang="en-US" dirty="0"/>
+          </a:p>
+        </p:txBody>
+      </p:sp>
+    </p:spTree>
+    <p:extLst>
+      <p:ext uri="{BB962C8B-B14F-4D97-AF65-F5344CB8AC3E}">
+        <p14:creationId xmlns:p14="http://schemas.microsoft.com/office/powerpoint/2010/main" val="360782280"/>
+      </p:ext>
+    </p:extLst>
+  </p:cSld>
+  <p:clrMapOvr>
+    <a:masterClrMapping/>
+  </p:clrMapOvr>
+  <p:timing>
+    <p:tnLst>
+      <p:par>
+        <p:cTn id="1" dur="indefinite" restart="never" nodeType="tmRoot"/>
+      </p:par>
+    </p:tnLst>
+  </p:timing>
+</p:sld>
+</file>
+
+<file path=ppt/slides/slide20.xml><?xml version="1.0" encoding="utf-8"?>
 <p:sld xmlns:a="http://schemas.openxmlformats.org/drawingml/2006/main" xmlns:r="http://schemas.openxmlformats.org/officeDocument/2006/relationships" xmlns:p="http://schemas.openxmlformats.org/presentationml/2006/main">
   <p:cSld>
     <p:spTree>
@@ -12988,140 +13255,7 @@
 </p:sld>
 </file>
 
-<file path=ppt/slides/slide2.xml><?xml version="1.0" encoding="utf-8"?>
-<p:sld xmlns:a="http://schemas.openxmlformats.org/drawingml/2006/main" xmlns:r="http://schemas.openxmlformats.org/officeDocument/2006/relationships" xmlns:p="http://schemas.openxmlformats.org/presentationml/2006/main">
-  <p:cSld>
-    <p:spTree>
-      <p:nvGrpSpPr>
-        <p:cNvPr id="1" name=""/>
-        <p:cNvGrpSpPr/>
-        <p:nvPr/>
-      </p:nvGrpSpPr>
-      <p:grpSpPr>
-        <a:xfrm>
-          <a:off x="0" y="0"/>
-          <a:ext cx="0" cy="0"/>
-          <a:chOff x="0" y="0"/>
-          <a:chExt cx="0" cy="0"/>
-        </a:xfrm>
-      </p:grpSpPr>
-      <p:sp>
-        <p:nvSpPr>
-          <p:cNvPr id="2" name="标题 1"/>
-          <p:cNvSpPr>
-            <a:spLocks noGrp="1"/>
-          </p:cNvSpPr>
-          <p:nvPr>
-            <p:ph type="title"/>
-          </p:nvPr>
-        </p:nvSpPr>
-        <p:spPr/>
-        <p:txBody>
-          <a:bodyPr/>
-          <a:lstStyle/>
-          <a:p>
-            <a:endParaRPr lang="zh-CN" altLang="en-US" dirty="0"/>
-          </a:p>
-        </p:txBody>
-      </p:sp>
-      <p:sp>
-        <p:nvSpPr>
-          <p:cNvPr id="3" name="内容占位符 2"/>
-          <p:cNvSpPr>
-            <a:spLocks noGrp="1"/>
-          </p:cNvSpPr>
-          <p:nvPr>
-            <p:ph idx="1"/>
-          </p:nvPr>
-        </p:nvSpPr>
-        <p:spPr/>
-        <p:txBody>
-          <a:bodyPr/>
-          <a:lstStyle/>
-          <a:p>
-            <a:r>
-              <a:rPr lang="en-US" altLang="zh-CN" dirty="0" smtClean="0"/>
-              <a:t>Evaluation</a:t>
-            </a:r>
-          </a:p>
-          <a:p>
-            <a:pPr lvl="1"/>
-            <a:r>
-              <a:rPr lang="en-US" altLang="zh-CN" dirty="0">
-                <a:effectLst/>
-              </a:rPr>
-              <a:t>determination of the value, nature, character, or quality of something or someone</a:t>
-            </a:r>
-            <a:r>
-              <a:rPr lang="zh-CN" altLang="en-US" dirty="0" smtClean="0"/>
-              <a:t>（</a:t>
-            </a:r>
-            <a:r>
-              <a:rPr lang="en-US" altLang="zh-CN" dirty="0">
-                <a:hlinkClick r:id="rId2"/>
-              </a:rPr>
-              <a:t>https://www.merriam-webster.com/dictionary/evaluation</a:t>
-            </a:r>
-            <a:r>
-              <a:rPr lang="zh-CN" altLang="en-US" dirty="0" smtClean="0"/>
-              <a:t>）</a:t>
-            </a:r>
-            <a:endParaRPr lang="en-US" altLang="zh-CN" dirty="0" smtClean="0"/>
-          </a:p>
-          <a:p>
-            <a:r>
-              <a:rPr lang="zh-CN" altLang="en-US" dirty="0" smtClean="0"/>
-              <a:t>评估</a:t>
-            </a:r>
-            <a:endParaRPr lang="en-US" altLang="zh-CN" dirty="0" smtClean="0"/>
-          </a:p>
-          <a:p>
-            <a:pPr lvl="1"/>
-            <a:r>
-              <a:rPr lang="zh-CN" altLang="en-US" dirty="0"/>
-              <a:t>议论，</a:t>
-            </a:r>
-            <a:r>
-              <a:rPr lang="zh-CN" altLang="en-US" dirty="0" smtClean="0"/>
-              <a:t>评论，评议。</a:t>
-            </a:r>
-            <a:endParaRPr lang="en-US" altLang="zh-CN" dirty="0" smtClean="0"/>
-          </a:p>
-          <a:p>
-            <a:pPr lvl="1"/>
-            <a:r>
-              <a:rPr lang="zh-CN" altLang="en-US" dirty="0"/>
-              <a:t>揣测，大致地</a:t>
-            </a:r>
-            <a:r>
-              <a:rPr lang="zh-CN" altLang="en-US" dirty="0" smtClean="0"/>
-              <a:t>推算，估计，估价。</a:t>
-            </a:r>
-            <a:endParaRPr lang="zh-CN" altLang="en-US" dirty="0"/>
-          </a:p>
-        </p:txBody>
-      </p:sp>
-    </p:spTree>
-    <p:extLst>
-      <p:ext uri="{BB962C8B-B14F-4D97-AF65-F5344CB8AC3E}">
-        <p14:creationId xmlns:p14="http://schemas.microsoft.com/office/powerpoint/2010/main" val="360782280"/>
-      </p:ext>
-    </p:extLst>
-  </p:cSld>
-  <p:clrMapOvr>
-    <a:masterClrMapping/>
-  </p:clrMapOvr>
-  <p:timing>
-    <p:tnLst>
-      <p:par>
-        <p:cTn id="1" dur="indefinite" restart="never" nodeType="tmRoot"/>
-      </p:par>
-    </p:tnLst>
-  </p:timing>
-</p:sld>
-</file>
-
-<file path=ppt/slides/slide20.xml><?xml version="1.0" encoding="utf-8"?>
+<file path=ppt/slides/slide21.xml><?xml version="1.0" encoding="utf-8"?>
 <p:sld xmlns:a="http://schemas.openxmlformats.org/drawingml/2006/main" xmlns:r="http://schemas.openxmlformats.org/officeDocument/2006/relationships" xmlns:p="http://schemas.openxmlformats.org/presentationml/2006/main">
   <p:cSld>
     <p:spTree>
@@ -13238,7 +13372,7 @@
 </p:sld>
 </file>
 
-<file path=ppt/slides/slide21.xml><?xml version="1.0" encoding="utf-8"?>
+<file path=ppt/slides/slide22.xml><?xml version="1.0" encoding="utf-8"?>
 <p:sld xmlns:a="http://schemas.openxmlformats.org/drawingml/2006/main" xmlns:r="http://schemas.openxmlformats.org/officeDocument/2006/relationships" xmlns:p="http://schemas.openxmlformats.org/presentationml/2006/main">
   <p:cSld>
     <p:spTree>

--- a/download/安全评估的核心思想和发展脉络.pptx
+++ b/download/安全评估的核心思想和发展脉络.pptx
@@ -5276,7 +5276,7 @@
           <a:p>
             <a:fld id="{57761F42-628A-4A8F-AC71-E5372CE2A3C0}" type="datetimeFigureOut">
               <a:rPr lang="zh-CN" altLang="en-US" smtClean="0"/>
-              <a:t>2021/7/16</a:t>
+              <a:t>2022/9/21</a:t>
             </a:fld>
             <a:endParaRPr lang="zh-CN" altLang="en-US"/>
           </a:p>
@@ -5615,7 +5615,7 @@
           <a:p>
             <a:fld id="{57761F42-628A-4A8F-AC71-E5372CE2A3C0}" type="datetimeFigureOut">
               <a:rPr lang="zh-CN" altLang="en-US" smtClean="0"/>
-              <a:t>2021/7/16</a:t>
+              <a:t>2022/9/21</a:t>
             </a:fld>
             <a:endParaRPr lang="zh-CN" altLang="en-US"/>
           </a:p>
@@ -5807,7 +5807,7 @@
           <a:p>
             <a:fld id="{57761F42-628A-4A8F-AC71-E5372CE2A3C0}" type="datetimeFigureOut">
               <a:rPr lang="zh-CN" altLang="en-US" smtClean="0"/>
-              <a:t>2021/7/16</a:t>
+              <a:t>2022/9/21</a:t>
             </a:fld>
             <a:endParaRPr lang="zh-CN" altLang="en-US"/>
           </a:p>
@@ -6068,7 +6068,7 @@
           <a:p>
             <a:fld id="{57761F42-628A-4A8F-AC71-E5372CE2A3C0}" type="datetimeFigureOut">
               <a:rPr lang="zh-CN" altLang="en-US" smtClean="0"/>
-              <a:t>2021/7/16</a:t>
+              <a:t>2022/9/21</a:t>
             </a:fld>
             <a:endParaRPr lang="zh-CN" altLang="en-US"/>
           </a:p>
@@ -6492,7 +6492,7 @@
           <a:p>
             <a:fld id="{57761F42-628A-4A8F-AC71-E5372CE2A3C0}" type="datetimeFigureOut">
               <a:rPr lang="zh-CN" altLang="en-US" smtClean="0"/>
-              <a:t>2021/7/16</a:t>
+              <a:t>2022/9/21</a:t>
             </a:fld>
             <a:endParaRPr lang="zh-CN" altLang="en-US"/>
           </a:p>
@@ -7038,7 +7038,7 @@
           <a:p>
             <a:fld id="{57761F42-628A-4A8F-AC71-E5372CE2A3C0}" type="datetimeFigureOut">
               <a:rPr lang="zh-CN" altLang="en-US" smtClean="0"/>
-              <a:t>2021/7/16</a:t>
+              <a:t>2022/9/21</a:t>
             </a:fld>
             <a:endParaRPr lang="zh-CN" altLang="en-US"/>
           </a:p>
@@ -7878,7 +7878,7 @@
           <a:p>
             <a:fld id="{57761F42-628A-4A8F-AC71-E5372CE2A3C0}" type="datetimeFigureOut">
               <a:rPr lang="zh-CN" altLang="en-US" smtClean="0"/>
-              <a:t>2021/7/16</a:t>
+              <a:t>2022/9/21</a:t>
             </a:fld>
             <a:endParaRPr lang="zh-CN" altLang="en-US"/>
           </a:p>
@@ -8048,7 +8048,7 @@
           <a:p>
             <a:fld id="{57761F42-628A-4A8F-AC71-E5372CE2A3C0}" type="datetimeFigureOut">
               <a:rPr lang="zh-CN" altLang="en-US" smtClean="0"/>
-              <a:t>2021/7/16</a:t>
+              <a:t>2022/9/21</a:t>
             </a:fld>
             <a:endParaRPr lang="zh-CN" altLang="en-US"/>
           </a:p>
@@ -8232,7 +8232,7 @@
           <a:p>
             <a:fld id="{57761F42-628A-4A8F-AC71-E5372CE2A3C0}" type="datetimeFigureOut">
               <a:rPr lang="zh-CN" altLang="en-US" smtClean="0"/>
-              <a:t>2021/7/16</a:t>
+              <a:t>2022/9/21</a:t>
             </a:fld>
             <a:endParaRPr lang="zh-CN" altLang="en-US"/>
           </a:p>
@@ -8402,7 +8402,7 @@
           <a:p>
             <a:fld id="{57761F42-628A-4A8F-AC71-E5372CE2A3C0}" type="datetimeFigureOut">
               <a:rPr lang="zh-CN" altLang="en-US" smtClean="0"/>
-              <a:t>2021/7/16</a:t>
+              <a:t>2022/9/21</a:t>
             </a:fld>
             <a:endParaRPr lang="zh-CN" altLang="en-US"/>
           </a:p>
@@ -8702,7 +8702,7 @@
           <a:p>
             <a:fld id="{57761F42-628A-4A8F-AC71-E5372CE2A3C0}" type="datetimeFigureOut">
               <a:rPr lang="zh-CN" altLang="en-US" smtClean="0"/>
-              <a:t>2021/7/16</a:t>
+              <a:t>2022/9/21</a:t>
             </a:fld>
             <a:endParaRPr lang="zh-CN" altLang="en-US"/>
           </a:p>
@@ -8991,7 +8991,7 @@
           <a:p>
             <a:fld id="{57761F42-628A-4A8F-AC71-E5372CE2A3C0}" type="datetimeFigureOut">
               <a:rPr lang="zh-CN" altLang="en-US" smtClean="0"/>
-              <a:t>2021/7/16</a:t>
+              <a:t>2022/9/21</a:t>
             </a:fld>
             <a:endParaRPr lang="zh-CN" altLang="en-US"/>
           </a:p>
@@ -9416,7 +9416,7 @@
           <a:p>
             <a:fld id="{57761F42-628A-4A8F-AC71-E5372CE2A3C0}" type="datetimeFigureOut">
               <a:rPr lang="zh-CN" altLang="en-US" smtClean="0"/>
-              <a:t>2021/7/16</a:t>
+              <a:t>2022/9/21</a:t>
             </a:fld>
             <a:endParaRPr lang="zh-CN" altLang="en-US"/>
           </a:p>
@@ -9586,7 +9586,7 @@
           <a:p>
             <a:fld id="{57761F42-628A-4A8F-AC71-E5372CE2A3C0}" type="datetimeFigureOut">
               <a:rPr lang="zh-CN" altLang="en-US" smtClean="0"/>
-              <a:t>2021/7/16</a:t>
+              <a:t>2022/9/21</a:t>
             </a:fld>
             <a:endParaRPr lang="zh-CN" altLang="en-US"/>
           </a:p>
@@ -9733,7 +9733,7 @@
           <a:p>
             <a:fld id="{57761F42-628A-4A8F-AC71-E5372CE2A3C0}" type="datetimeFigureOut">
               <a:rPr lang="zh-CN" altLang="en-US" smtClean="0"/>
-              <a:t>2021/7/16</a:t>
+              <a:t>2022/9/21</a:t>
             </a:fld>
             <a:endParaRPr lang="zh-CN" altLang="en-US"/>
           </a:p>
@@ -10036,7 +10036,7 @@
           <a:p>
             <a:fld id="{57761F42-628A-4A8F-AC71-E5372CE2A3C0}" type="datetimeFigureOut">
               <a:rPr lang="zh-CN" altLang="en-US" smtClean="0"/>
-              <a:t>2021/7/16</a:t>
+              <a:t>2022/9/21</a:t>
             </a:fld>
             <a:endParaRPr lang="zh-CN" altLang="en-US"/>
           </a:p>
@@ -10323,7 +10323,7 @@
           <a:p>
             <a:fld id="{57761F42-628A-4A8F-AC71-E5372CE2A3C0}" type="datetimeFigureOut">
               <a:rPr lang="zh-CN" altLang="en-US" smtClean="0"/>
-              <a:t>2021/7/16</a:t>
+              <a:t>2022/9/21</a:t>
             </a:fld>
             <a:endParaRPr lang="zh-CN" altLang="en-US"/>
           </a:p>
@@ -10536,7 +10536,7 @@
           <a:p>
             <a:fld id="{57761F42-628A-4A8F-AC71-E5372CE2A3C0}" type="datetimeFigureOut">
               <a:rPr lang="zh-CN" altLang="en-US" smtClean="0"/>
-              <a:t>2021/7/16</a:t>
+              <a:t>2022/9/21</a:t>
             </a:fld>
             <a:endParaRPr lang="zh-CN" altLang="en-US"/>
           </a:p>
@@ -11075,11 +11075,15 @@
           <a:p>
             <a:r>
               <a:rPr lang="zh-CN" altLang="en-US" dirty="0" smtClean="0"/>
-              <a:t>课程主页：</a:t>
+              <a:t>课程主页</a:t>
+            </a:r>
+            <a:r>
+              <a:rPr lang="zh-CN" altLang="en-US" dirty="0" smtClean="0"/>
+              <a:t>：</a:t>
             </a:r>
             <a:r>
               <a:rPr lang="en-US" altLang="zh-CN" dirty="0"/>
-              <a:t>http://buuer_xxtxiaofeng.gitee.io/lxf/index.html</a:t>
+              <a:t>http://uisu.gitee.io/lxf/index.html</a:t>
             </a:r>
             <a:endParaRPr lang="en-US" altLang="zh-CN" dirty="0" smtClean="0"/>
           </a:p>
@@ -11092,8 +11096,8 @@
           </a:p>
           <a:p>
             <a:r>
-              <a:rPr lang="en-US" altLang="zh-CN" dirty="0" smtClean="0"/>
-              <a:t>V2021.6.29</a:t>
+              <a:rPr lang="en-US" altLang="zh-CN" smtClean="0"/>
+              <a:t>V2022.9.29</a:t>
             </a:r>
             <a:endParaRPr lang="zh-CN" altLang="en-US" dirty="0"/>
           </a:p>
@@ -13346,9 +13350,47 @@
             </a:r>
             <a:r>
               <a:rPr lang="zh-CN" altLang="en-US" dirty="0" smtClean="0"/>
-              <a:t>）发送到指定邮箱</a:t>
-            </a:r>
-            <a:endParaRPr lang="zh-CN" altLang="en-US" dirty="0"/>
+              <a:t>）发送到指定</a:t>
+            </a:r>
+            <a:r>
+              <a:rPr lang="zh-CN" altLang="en-US" dirty="0" smtClean="0"/>
+              <a:t>邮箱</a:t>
+            </a:r>
+            <a:endParaRPr lang="en-US" altLang="zh-CN" dirty="0" smtClean="0"/>
+          </a:p>
+          <a:p>
+            <a:endParaRPr lang="en-US" altLang="zh-CN" dirty="0"/>
+          </a:p>
+          <a:p>
+            <a:r>
+              <a:rPr lang="zh-CN" altLang="en-US" b="1" dirty="0" smtClean="0">
+                <a:solidFill>
+                  <a:srgbClr val="FF0000"/>
+                </a:solidFill>
+              </a:rPr>
+              <a:t>所有文档均需为</a:t>
+            </a:r>
+            <a:r>
+              <a:rPr lang="en-US" altLang="zh-CN" b="1" dirty="0" smtClean="0">
+                <a:solidFill>
+                  <a:srgbClr val="FF0000"/>
+                </a:solidFill>
+              </a:rPr>
+              <a:t>pdf</a:t>
+            </a:r>
+            <a:r>
+              <a:rPr lang="zh-CN" altLang="en-US" b="1" dirty="0" smtClean="0">
+                <a:solidFill>
+                  <a:srgbClr val="FF0000"/>
+                </a:solidFill>
+              </a:rPr>
+              <a:t>格式，否则按未提交处理。</a:t>
+            </a:r>
+            <a:endParaRPr lang="zh-CN" altLang="en-US" b="1" dirty="0">
+              <a:solidFill>
+                <a:srgbClr val="FF0000"/>
+              </a:solidFill>
+            </a:endParaRPr>
           </a:p>
         </p:txBody>
       </p:sp>
